--- a/ppt 16-9/1482.耶和华的门.pptx
+++ b/ppt 16-9/1482.耶和华的门.pptx
@@ -129,7 +129,7 @@
           <p:cNvPr id="2" name="标题 1">
             <a:extLst>
               <a:ext uri="{FF2B5EF4-FFF2-40B4-BE49-F238E27FC236}">
-                <a16:creationId xmlns:a16="http://schemas.microsoft.com/office/drawing/2014/main" id="{89838E84-1571-79BD-629C-16C219B0D4F5}"/>
+                <a16:creationId xmlns:a16="http://schemas.microsoft.com/office/drawing/2014/main" id="{C8D6A667-1FD6-F6A3-41E2-F2C8C9A191A8}"/>
               </a:ext>
             </a:extLst>
           </p:cNvPr>
@@ -166,7 +166,7 @@
           <p:cNvPr id="3" name="副标题 2">
             <a:extLst>
               <a:ext uri="{FF2B5EF4-FFF2-40B4-BE49-F238E27FC236}">
-                <a16:creationId xmlns:a16="http://schemas.microsoft.com/office/drawing/2014/main" id="{D28E24F2-070A-0C3E-B35A-156F7B5D2D5F}"/>
+                <a16:creationId xmlns:a16="http://schemas.microsoft.com/office/drawing/2014/main" id="{AF1AA00A-E36D-A2D0-50CA-A3DC2B7F7C2A}"/>
               </a:ext>
             </a:extLst>
           </p:cNvPr>
@@ -236,7 +236,7 @@
           <p:cNvPr id="4" name="日期占位符 3">
             <a:extLst>
               <a:ext uri="{FF2B5EF4-FFF2-40B4-BE49-F238E27FC236}">
-                <a16:creationId xmlns:a16="http://schemas.microsoft.com/office/drawing/2014/main" id="{36DEA52C-22F3-E6E0-9100-A62F572912EC}"/>
+                <a16:creationId xmlns:a16="http://schemas.microsoft.com/office/drawing/2014/main" id="{B39E7C34-1C4E-847C-EDA5-07141CD52802}"/>
               </a:ext>
             </a:extLst>
           </p:cNvPr>
@@ -252,7 +252,7 @@
           <a:bodyPr/>
           <a:lstStyle/>
           <a:p>
-            <a:fld id="{F73AB5F1-49D4-4135-B382-5648884662CA}" type="datetimeFigureOut">
+            <a:fld id="{2F38A768-81C6-4F5C-A60E-0EE99987A705}" type="datetimeFigureOut">
               <a:rPr lang="zh-CN" altLang="en-US" smtClean="0"/>
               <a:t>2024/3/10</a:t>
             </a:fld>
@@ -265,7 +265,7 @@
           <p:cNvPr id="5" name="页脚占位符 4">
             <a:extLst>
               <a:ext uri="{FF2B5EF4-FFF2-40B4-BE49-F238E27FC236}">
-                <a16:creationId xmlns:a16="http://schemas.microsoft.com/office/drawing/2014/main" id="{4C479668-62AA-2F0A-53F5-365625294A43}"/>
+                <a16:creationId xmlns:a16="http://schemas.microsoft.com/office/drawing/2014/main" id="{40790C9F-1EC7-B115-4106-0EA4B2C7BE58}"/>
               </a:ext>
             </a:extLst>
           </p:cNvPr>
@@ -290,7 +290,7 @@
           <p:cNvPr id="6" name="灯片编号占位符 5">
             <a:extLst>
               <a:ext uri="{FF2B5EF4-FFF2-40B4-BE49-F238E27FC236}">
-                <a16:creationId xmlns:a16="http://schemas.microsoft.com/office/drawing/2014/main" id="{B54A0AFE-BB83-B2F9-B58E-F5E41D1993B5}"/>
+                <a16:creationId xmlns:a16="http://schemas.microsoft.com/office/drawing/2014/main" id="{665CD500-A6D7-6B09-3D5C-C93DF92F271B}"/>
               </a:ext>
             </a:extLst>
           </p:cNvPr>
@@ -306,7 +306,7 @@
           <a:bodyPr/>
           <a:lstStyle/>
           <a:p>
-            <a:fld id="{F8B70436-13BA-46C8-90AA-5A1BBB947A57}" type="slidenum">
+            <a:fld id="{522DAD68-E5B3-4729-96BB-86AA3BAAF46E}" type="slidenum">
               <a:rPr lang="zh-CN" altLang="en-US" smtClean="0"/>
               <a:t>‹#›</a:t>
             </a:fld>
@@ -317,7 +317,7 @@
     </p:spTree>
     <p:extLst>
       <p:ext uri="{BB962C8B-B14F-4D97-AF65-F5344CB8AC3E}">
-        <p14:creationId xmlns:p14="http://schemas.microsoft.com/office/powerpoint/2010/main" val="2977162921"/>
+        <p14:creationId xmlns:p14="http://schemas.microsoft.com/office/powerpoint/2010/main" val="161864744"/>
       </p:ext>
     </p:extLst>
   </p:cSld>
@@ -349,7 +349,7 @@
           <p:cNvPr id="2" name="标题 1">
             <a:extLst>
               <a:ext uri="{FF2B5EF4-FFF2-40B4-BE49-F238E27FC236}">
-                <a16:creationId xmlns:a16="http://schemas.microsoft.com/office/drawing/2014/main" id="{80646D5E-53F4-15DC-4705-DD03FFE3E36F}"/>
+                <a16:creationId xmlns:a16="http://schemas.microsoft.com/office/drawing/2014/main" id="{8AE01224-CC29-0242-4A11-79922488613E}"/>
               </a:ext>
             </a:extLst>
           </p:cNvPr>
@@ -377,7 +377,7 @@
           <p:cNvPr id="3" name="竖排文字占位符 2">
             <a:extLst>
               <a:ext uri="{FF2B5EF4-FFF2-40B4-BE49-F238E27FC236}">
-                <a16:creationId xmlns:a16="http://schemas.microsoft.com/office/drawing/2014/main" id="{DDA424BF-7E2B-816D-1FE1-51A78CF072FB}"/>
+                <a16:creationId xmlns:a16="http://schemas.microsoft.com/office/drawing/2014/main" id="{D30CC0F6-6077-DEDD-91AE-0B34A8769538}"/>
               </a:ext>
             </a:extLst>
           </p:cNvPr>
@@ -434,7 +434,7 @@
           <p:cNvPr id="4" name="日期占位符 3">
             <a:extLst>
               <a:ext uri="{FF2B5EF4-FFF2-40B4-BE49-F238E27FC236}">
-                <a16:creationId xmlns:a16="http://schemas.microsoft.com/office/drawing/2014/main" id="{E6B275E8-A029-538C-BC93-8F6714186A05}"/>
+                <a16:creationId xmlns:a16="http://schemas.microsoft.com/office/drawing/2014/main" id="{995F5DF4-F503-352B-D467-FAB0EB6359AF}"/>
               </a:ext>
             </a:extLst>
           </p:cNvPr>
@@ -450,7 +450,7 @@
           <a:bodyPr/>
           <a:lstStyle/>
           <a:p>
-            <a:fld id="{F73AB5F1-49D4-4135-B382-5648884662CA}" type="datetimeFigureOut">
+            <a:fld id="{2F38A768-81C6-4F5C-A60E-0EE99987A705}" type="datetimeFigureOut">
               <a:rPr lang="zh-CN" altLang="en-US" smtClean="0"/>
               <a:t>2024/3/10</a:t>
             </a:fld>
@@ -463,7 +463,7 @@
           <p:cNvPr id="5" name="页脚占位符 4">
             <a:extLst>
               <a:ext uri="{FF2B5EF4-FFF2-40B4-BE49-F238E27FC236}">
-                <a16:creationId xmlns:a16="http://schemas.microsoft.com/office/drawing/2014/main" id="{FE006F2B-252B-29C5-D1E7-5DBF92AF4266}"/>
+                <a16:creationId xmlns:a16="http://schemas.microsoft.com/office/drawing/2014/main" id="{975FB85F-0FD3-DFBD-1C84-B2467530B968}"/>
               </a:ext>
             </a:extLst>
           </p:cNvPr>
@@ -488,7 +488,7 @@
           <p:cNvPr id="6" name="灯片编号占位符 5">
             <a:extLst>
               <a:ext uri="{FF2B5EF4-FFF2-40B4-BE49-F238E27FC236}">
-                <a16:creationId xmlns:a16="http://schemas.microsoft.com/office/drawing/2014/main" id="{2ACC4D36-2ED9-B230-E27A-FAEE6A644F10}"/>
+                <a16:creationId xmlns:a16="http://schemas.microsoft.com/office/drawing/2014/main" id="{1ADAD104-8EA0-AD09-7F08-20F5A83490B0}"/>
               </a:ext>
             </a:extLst>
           </p:cNvPr>
@@ -504,7 +504,7 @@
           <a:bodyPr/>
           <a:lstStyle/>
           <a:p>
-            <a:fld id="{F8B70436-13BA-46C8-90AA-5A1BBB947A57}" type="slidenum">
+            <a:fld id="{522DAD68-E5B3-4729-96BB-86AA3BAAF46E}" type="slidenum">
               <a:rPr lang="zh-CN" altLang="en-US" smtClean="0"/>
               <a:t>‹#›</a:t>
             </a:fld>
@@ -515,7 +515,7 @@
     </p:spTree>
     <p:extLst>
       <p:ext uri="{BB962C8B-B14F-4D97-AF65-F5344CB8AC3E}">
-        <p14:creationId xmlns:p14="http://schemas.microsoft.com/office/powerpoint/2010/main" val="1371524270"/>
+        <p14:creationId xmlns:p14="http://schemas.microsoft.com/office/powerpoint/2010/main" val="3475005882"/>
       </p:ext>
     </p:extLst>
   </p:cSld>
@@ -547,7 +547,7 @@
           <p:cNvPr id="2" name="竖排标题 1">
             <a:extLst>
               <a:ext uri="{FF2B5EF4-FFF2-40B4-BE49-F238E27FC236}">
-                <a16:creationId xmlns:a16="http://schemas.microsoft.com/office/drawing/2014/main" id="{61F3BC00-7D5E-6070-E75D-E0AA2FEF5AF8}"/>
+                <a16:creationId xmlns:a16="http://schemas.microsoft.com/office/drawing/2014/main" id="{7041384C-1C95-4434-D36B-87DED5E1B004}"/>
               </a:ext>
             </a:extLst>
           </p:cNvPr>
@@ -580,7 +580,7 @@
           <p:cNvPr id="3" name="竖排文字占位符 2">
             <a:extLst>
               <a:ext uri="{FF2B5EF4-FFF2-40B4-BE49-F238E27FC236}">
-                <a16:creationId xmlns:a16="http://schemas.microsoft.com/office/drawing/2014/main" id="{12128CD7-40C1-DAB4-3B9F-B5E6E2EE070A}"/>
+                <a16:creationId xmlns:a16="http://schemas.microsoft.com/office/drawing/2014/main" id="{737E2F69-CF12-51B0-0467-AEB057D80629}"/>
               </a:ext>
             </a:extLst>
           </p:cNvPr>
@@ -642,7 +642,7 @@
           <p:cNvPr id="4" name="日期占位符 3">
             <a:extLst>
               <a:ext uri="{FF2B5EF4-FFF2-40B4-BE49-F238E27FC236}">
-                <a16:creationId xmlns:a16="http://schemas.microsoft.com/office/drawing/2014/main" id="{38CF01C0-B17F-7A87-B26D-31950F843CDC}"/>
+                <a16:creationId xmlns:a16="http://schemas.microsoft.com/office/drawing/2014/main" id="{D08E3DDE-CB6A-00E1-4E77-505A4FDFF32E}"/>
               </a:ext>
             </a:extLst>
           </p:cNvPr>
@@ -658,7 +658,7 @@
           <a:bodyPr/>
           <a:lstStyle/>
           <a:p>
-            <a:fld id="{F73AB5F1-49D4-4135-B382-5648884662CA}" type="datetimeFigureOut">
+            <a:fld id="{2F38A768-81C6-4F5C-A60E-0EE99987A705}" type="datetimeFigureOut">
               <a:rPr lang="zh-CN" altLang="en-US" smtClean="0"/>
               <a:t>2024/3/10</a:t>
             </a:fld>
@@ -671,7 +671,7 @@
           <p:cNvPr id="5" name="页脚占位符 4">
             <a:extLst>
               <a:ext uri="{FF2B5EF4-FFF2-40B4-BE49-F238E27FC236}">
-                <a16:creationId xmlns:a16="http://schemas.microsoft.com/office/drawing/2014/main" id="{53672256-A60F-27C3-1FE9-E572E1DDA5A0}"/>
+                <a16:creationId xmlns:a16="http://schemas.microsoft.com/office/drawing/2014/main" id="{B5B06CEE-BCB8-47C6-CB35-FC7AA84B9F98}"/>
               </a:ext>
             </a:extLst>
           </p:cNvPr>
@@ -696,7 +696,7 @@
           <p:cNvPr id="6" name="灯片编号占位符 5">
             <a:extLst>
               <a:ext uri="{FF2B5EF4-FFF2-40B4-BE49-F238E27FC236}">
-                <a16:creationId xmlns:a16="http://schemas.microsoft.com/office/drawing/2014/main" id="{A6271C2A-2697-10A6-7597-9F8BFE88B90C}"/>
+                <a16:creationId xmlns:a16="http://schemas.microsoft.com/office/drawing/2014/main" id="{BEAF1BE9-FF3F-0EBA-1CA2-8034965391A8}"/>
               </a:ext>
             </a:extLst>
           </p:cNvPr>
@@ -712,7 +712,7 @@
           <a:bodyPr/>
           <a:lstStyle/>
           <a:p>
-            <a:fld id="{F8B70436-13BA-46C8-90AA-5A1BBB947A57}" type="slidenum">
+            <a:fld id="{522DAD68-E5B3-4729-96BB-86AA3BAAF46E}" type="slidenum">
               <a:rPr lang="zh-CN" altLang="en-US" smtClean="0"/>
               <a:t>‹#›</a:t>
             </a:fld>
@@ -723,7 +723,7 @@
     </p:spTree>
     <p:extLst>
       <p:ext uri="{BB962C8B-B14F-4D97-AF65-F5344CB8AC3E}">
-        <p14:creationId xmlns:p14="http://schemas.microsoft.com/office/powerpoint/2010/main" val="4152584993"/>
+        <p14:creationId xmlns:p14="http://schemas.microsoft.com/office/powerpoint/2010/main" val="3668556193"/>
       </p:ext>
     </p:extLst>
   </p:cSld>
@@ -755,7 +755,7 @@
           <p:cNvPr id="2" name="标题 1">
             <a:extLst>
               <a:ext uri="{FF2B5EF4-FFF2-40B4-BE49-F238E27FC236}">
-                <a16:creationId xmlns:a16="http://schemas.microsoft.com/office/drawing/2014/main" id="{E7732808-0213-8579-88B7-25572B1C4308}"/>
+                <a16:creationId xmlns:a16="http://schemas.microsoft.com/office/drawing/2014/main" id="{475DFD40-D9A4-24C3-C640-88618B75BBFA}"/>
               </a:ext>
             </a:extLst>
           </p:cNvPr>
@@ -783,7 +783,7 @@
           <p:cNvPr id="3" name="内容占位符 2">
             <a:extLst>
               <a:ext uri="{FF2B5EF4-FFF2-40B4-BE49-F238E27FC236}">
-                <a16:creationId xmlns:a16="http://schemas.microsoft.com/office/drawing/2014/main" id="{EBB10BB6-FA8B-602F-B092-D0FA8797D17C}"/>
+                <a16:creationId xmlns:a16="http://schemas.microsoft.com/office/drawing/2014/main" id="{36929897-D02E-3A91-48E5-77398917D7EF}"/>
               </a:ext>
             </a:extLst>
           </p:cNvPr>
@@ -840,7 +840,7 @@
           <p:cNvPr id="4" name="日期占位符 3">
             <a:extLst>
               <a:ext uri="{FF2B5EF4-FFF2-40B4-BE49-F238E27FC236}">
-                <a16:creationId xmlns:a16="http://schemas.microsoft.com/office/drawing/2014/main" id="{FAFB684F-AE9F-46ED-5C20-5449DC6726A3}"/>
+                <a16:creationId xmlns:a16="http://schemas.microsoft.com/office/drawing/2014/main" id="{D2959F75-BEF5-AC75-3CC8-31A34D0B463D}"/>
               </a:ext>
             </a:extLst>
           </p:cNvPr>
@@ -856,7 +856,7 @@
           <a:bodyPr/>
           <a:lstStyle/>
           <a:p>
-            <a:fld id="{F73AB5F1-49D4-4135-B382-5648884662CA}" type="datetimeFigureOut">
+            <a:fld id="{2F38A768-81C6-4F5C-A60E-0EE99987A705}" type="datetimeFigureOut">
               <a:rPr lang="zh-CN" altLang="en-US" smtClean="0"/>
               <a:t>2024/3/10</a:t>
             </a:fld>
@@ -869,7 +869,7 @@
           <p:cNvPr id="5" name="页脚占位符 4">
             <a:extLst>
               <a:ext uri="{FF2B5EF4-FFF2-40B4-BE49-F238E27FC236}">
-                <a16:creationId xmlns:a16="http://schemas.microsoft.com/office/drawing/2014/main" id="{2EAC78B6-C91F-2142-651C-D641249B021E}"/>
+                <a16:creationId xmlns:a16="http://schemas.microsoft.com/office/drawing/2014/main" id="{82F918FB-D64F-3FE1-A1F5-CB9BA9A21192}"/>
               </a:ext>
             </a:extLst>
           </p:cNvPr>
@@ -894,7 +894,7 @@
           <p:cNvPr id="6" name="灯片编号占位符 5">
             <a:extLst>
               <a:ext uri="{FF2B5EF4-FFF2-40B4-BE49-F238E27FC236}">
-                <a16:creationId xmlns:a16="http://schemas.microsoft.com/office/drawing/2014/main" id="{C69CC8B3-4356-06FD-A4F2-A96E70E46A6F}"/>
+                <a16:creationId xmlns:a16="http://schemas.microsoft.com/office/drawing/2014/main" id="{621ADC10-63BA-0BCF-BB5D-CEA31CCD1F5B}"/>
               </a:ext>
             </a:extLst>
           </p:cNvPr>
@@ -910,7 +910,7 @@
           <a:bodyPr/>
           <a:lstStyle/>
           <a:p>
-            <a:fld id="{F8B70436-13BA-46C8-90AA-5A1BBB947A57}" type="slidenum">
+            <a:fld id="{522DAD68-E5B3-4729-96BB-86AA3BAAF46E}" type="slidenum">
               <a:rPr lang="zh-CN" altLang="en-US" smtClean="0"/>
               <a:t>‹#›</a:t>
             </a:fld>
@@ -921,7 +921,7 @@
     </p:spTree>
     <p:extLst>
       <p:ext uri="{BB962C8B-B14F-4D97-AF65-F5344CB8AC3E}">
-        <p14:creationId xmlns:p14="http://schemas.microsoft.com/office/powerpoint/2010/main" val="1511404014"/>
+        <p14:creationId xmlns:p14="http://schemas.microsoft.com/office/powerpoint/2010/main" val="2280999665"/>
       </p:ext>
     </p:extLst>
   </p:cSld>
@@ -953,7 +953,7 @@
           <p:cNvPr id="2" name="标题 1">
             <a:extLst>
               <a:ext uri="{FF2B5EF4-FFF2-40B4-BE49-F238E27FC236}">
-                <a16:creationId xmlns:a16="http://schemas.microsoft.com/office/drawing/2014/main" id="{FF33880D-FCCD-E727-E086-1D6C9131D39A}"/>
+                <a16:creationId xmlns:a16="http://schemas.microsoft.com/office/drawing/2014/main" id="{E31AF7DF-834A-7FD1-7C2F-F6DE7822A117}"/>
               </a:ext>
             </a:extLst>
           </p:cNvPr>
@@ -990,7 +990,7 @@
           <p:cNvPr id="3" name="文本占位符 2">
             <a:extLst>
               <a:ext uri="{FF2B5EF4-FFF2-40B4-BE49-F238E27FC236}">
-                <a16:creationId xmlns:a16="http://schemas.microsoft.com/office/drawing/2014/main" id="{AA74EBEE-568E-F14E-29DC-1D96CDAAB054}"/>
+                <a16:creationId xmlns:a16="http://schemas.microsoft.com/office/drawing/2014/main" id="{D3F1FF43-488D-12AA-1F63-53C75293BE00}"/>
               </a:ext>
             </a:extLst>
           </p:cNvPr>
@@ -1115,7 +1115,7 @@
           <p:cNvPr id="4" name="日期占位符 3">
             <a:extLst>
               <a:ext uri="{FF2B5EF4-FFF2-40B4-BE49-F238E27FC236}">
-                <a16:creationId xmlns:a16="http://schemas.microsoft.com/office/drawing/2014/main" id="{1EAC4109-8BF1-DA07-76F6-778935804EA5}"/>
+                <a16:creationId xmlns:a16="http://schemas.microsoft.com/office/drawing/2014/main" id="{81232A68-9921-F610-8F00-695DD8FD0267}"/>
               </a:ext>
             </a:extLst>
           </p:cNvPr>
@@ -1131,7 +1131,7 @@
           <a:bodyPr/>
           <a:lstStyle/>
           <a:p>
-            <a:fld id="{F73AB5F1-49D4-4135-B382-5648884662CA}" type="datetimeFigureOut">
+            <a:fld id="{2F38A768-81C6-4F5C-A60E-0EE99987A705}" type="datetimeFigureOut">
               <a:rPr lang="zh-CN" altLang="en-US" smtClean="0"/>
               <a:t>2024/3/10</a:t>
             </a:fld>
@@ -1144,7 +1144,7 @@
           <p:cNvPr id="5" name="页脚占位符 4">
             <a:extLst>
               <a:ext uri="{FF2B5EF4-FFF2-40B4-BE49-F238E27FC236}">
-                <a16:creationId xmlns:a16="http://schemas.microsoft.com/office/drawing/2014/main" id="{EF0D0A35-9BD4-6234-6502-1DB4E13E937A}"/>
+                <a16:creationId xmlns:a16="http://schemas.microsoft.com/office/drawing/2014/main" id="{01805A0D-A6CB-F459-C928-C0D277872DAA}"/>
               </a:ext>
             </a:extLst>
           </p:cNvPr>
@@ -1169,7 +1169,7 @@
           <p:cNvPr id="6" name="灯片编号占位符 5">
             <a:extLst>
               <a:ext uri="{FF2B5EF4-FFF2-40B4-BE49-F238E27FC236}">
-                <a16:creationId xmlns:a16="http://schemas.microsoft.com/office/drawing/2014/main" id="{CA9455C0-5640-2AD5-6CA1-68B917F00C2E}"/>
+                <a16:creationId xmlns:a16="http://schemas.microsoft.com/office/drawing/2014/main" id="{59B169DB-4992-611F-0ECA-B930BD857A21}"/>
               </a:ext>
             </a:extLst>
           </p:cNvPr>
@@ -1185,7 +1185,7 @@
           <a:bodyPr/>
           <a:lstStyle/>
           <a:p>
-            <a:fld id="{F8B70436-13BA-46C8-90AA-5A1BBB947A57}" type="slidenum">
+            <a:fld id="{522DAD68-E5B3-4729-96BB-86AA3BAAF46E}" type="slidenum">
               <a:rPr lang="zh-CN" altLang="en-US" smtClean="0"/>
               <a:t>‹#›</a:t>
             </a:fld>
@@ -1196,7 +1196,7 @@
     </p:spTree>
     <p:extLst>
       <p:ext uri="{BB962C8B-B14F-4D97-AF65-F5344CB8AC3E}">
-        <p14:creationId xmlns:p14="http://schemas.microsoft.com/office/powerpoint/2010/main" val="422075139"/>
+        <p14:creationId xmlns:p14="http://schemas.microsoft.com/office/powerpoint/2010/main" val="3138128237"/>
       </p:ext>
     </p:extLst>
   </p:cSld>
@@ -1228,7 +1228,7 @@
           <p:cNvPr id="2" name="标题 1">
             <a:extLst>
               <a:ext uri="{FF2B5EF4-FFF2-40B4-BE49-F238E27FC236}">
-                <a16:creationId xmlns:a16="http://schemas.microsoft.com/office/drawing/2014/main" id="{E77993DB-D95B-6B73-60AF-C332B171B3A0}"/>
+                <a16:creationId xmlns:a16="http://schemas.microsoft.com/office/drawing/2014/main" id="{5FC7B673-183A-E622-53A7-825763C892F5}"/>
               </a:ext>
             </a:extLst>
           </p:cNvPr>
@@ -1256,7 +1256,7 @@
           <p:cNvPr id="3" name="内容占位符 2">
             <a:extLst>
               <a:ext uri="{FF2B5EF4-FFF2-40B4-BE49-F238E27FC236}">
-                <a16:creationId xmlns:a16="http://schemas.microsoft.com/office/drawing/2014/main" id="{1685125D-D969-D5C9-50D8-0026FE8B3F41}"/>
+                <a16:creationId xmlns:a16="http://schemas.microsoft.com/office/drawing/2014/main" id="{0B8C3D3E-6E5A-2D47-917B-A41EC705DEA1}"/>
               </a:ext>
             </a:extLst>
           </p:cNvPr>
@@ -1318,7 +1318,7 @@
           <p:cNvPr id="4" name="内容占位符 3">
             <a:extLst>
               <a:ext uri="{FF2B5EF4-FFF2-40B4-BE49-F238E27FC236}">
-                <a16:creationId xmlns:a16="http://schemas.microsoft.com/office/drawing/2014/main" id="{B2CBCB8B-51EE-7FE5-C94D-5BB81FFFFE56}"/>
+                <a16:creationId xmlns:a16="http://schemas.microsoft.com/office/drawing/2014/main" id="{CDD8880F-6467-CC8B-7D4D-A93CD11D3CFD}"/>
               </a:ext>
             </a:extLst>
           </p:cNvPr>
@@ -1380,7 +1380,7 @@
           <p:cNvPr id="5" name="日期占位符 4">
             <a:extLst>
               <a:ext uri="{FF2B5EF4-FFF2-40B4-BE49-F238E27FC236}">
-                <a16:creationId xmlns:a16="http://schemas.microsoft.com/office/drawing/2014/main" id="{A40819E2-5F4E-6F93-AAEC-04DFE2A238CC}"/>
+                <a16:creationId xmlns:a16="http://schemas.microsoft.com/office/drawing/2014/main" id="{19FAA128-15C1-6A7D-A025-B70139BBC0AB}"/>
               </a:ext>
             </a:extLst>
           </p:cNvPr>
@@ -1396,7 +1396,7 @@
           <a:bodyPr/>
           <a:lstStyle/>
           <a:p>
-            <a:fld id="{F73AB5F1-49D4-4135-B382-5648884662CA}" type="datetimeFigureOut">
+            <a:fld id="{2F38A768-81C6-4F5C-A60E-0EE99987A705}" type="datetimeFigureOut">
               <a:rPr lang="zh-CN" altLang="en-US" smtClean="0"/>
               <a:t>2024/3/10</a:t>
             </a:fld>
@@ -1409,7 +1409,7 @@
           <p:cNvPr id="6" name="页脚占位符 5">
             <a:extLst>
               <a:ext uri="{FF2B5EF4-FFF2-40B4-BE49-F238E27FC236}">
-                <a16:creationId xmlns:a16="http://schemas.microsoft.com/office/drawing/2014/main" id="{CB73426E-5397-314D-2565-92039C9B70C3}"/>
+                <a16:creationId xmlns:a16="http://schemas.microsoft.com/office/drawing/2014/main" id="{3EEF2FE1-2119-29B1-66B4-6600D9A5546B}"/>
               </a:ext>
             </a:extLst>
           </p:cNvPr>
@@ -1434,7 +1434,7 @@
           <p:cNvPr id="7" name="灯片编号占位符 6">
             <a:extLst>
               <a:ext uri="{FF2B5EF4-FFF2-40B4-BE49-F238E27FC236}">
-                <a16:creationId xmlns:a16="http://schemas.microsoft.com/office/drawing/2014/main" id="{EEB288FF-758A-6DD0-76AC-7724D6EE44CE}"/>
+                <a16:creationId xmlns:a16="http://schemas.microsoft.com/office/drawing/2014/main" id="{90393895-B782-A9B4-859C-45D070BF1670}"/>
               </a:ext>
             </a:extLst>
           </p:cNvPr>
@@ -1450,7 +1450,7 @@
           <a:bodyPr/>
           <a:lstStyle/>
           <a:p>
-            <a:fld id="{F8B70436-13BA-46C8-90AA-5A1BBB947A57}" type="slidenum">
+            <a:fld id="{522DAD68-E5B3-4729-96BB-86AA3BAAF46E}" type="slidenum">
               <a:rPr lang="zh-CN" altLang="en-US" smtClean="0"/>
               <a:t>‹#›</a:t>
             </a:fld>
@@ -1461,7 +1461,7 @@
     </p:spTree>
     <p:extLst>
       <p:ext uri="{BB962C8B-B14F-4D97-AF65-F5344CB8AC3E}">
-        <p14:creationId xmlns:p14="http://schemas.microsoft.com/office/powerpoint/2010/main" val="554160858"/>
+        <p14:creationId xmlns:p14="http://schemas.microsoft.com/office/powerpoint/2010/main" val="1859898975"/>
       </p:ext>
     </p:extLst>
   </p:cSld>
@@ -1493,7 +1493,7 @@
           <p:cNvPr id="2" name="标题 1">
             <a:extLst>
               <a:ext uri="{FF2B5EF4-FFF2-40B4-BE49-F238E27FC236}">
-                <a16:creationId xmlns:a16="http://schemas.microsoft.com/office/drawing/2014/main" id="{19A0BA7F-12C1-D95C-4F38-B661205175B8}"/>
+                <a16:creationId xmlns:a16="http://schemas.microsoft.com/office/drawing/2014/main" id="{0CD8A151-D295-5778-43B5-01CFE33B103A}"/>
               </a:ext>
             </a:extLst>
           </p:cNvPr>
@@ -1526,7 +1526,7 @@
           <p:cNvPr id="3" name="文本占位符 2">
             <a:extLst>
               <a:ext uri="{FF2B5EF4-FFF2-40B4-BE49-F238E27FC236}">
-                <a16:creationId xmlns:a16="http://schemas.microsoft.com/office/drawing/2014/main" id="{CE511CCD-2E70-C7E7-06F0-B84736E5FB22}"/>
+                <a16:creationId xmlns:a16="http://schemas.microsoft.com/office/drawing/2014/main" id="{42518E6D-32C3-E5BD-22B6-64C0A24A344D}"/>
               </a:ext>
             </a:extLst>
           </p:cNvPr>
@@ -1597,7 +1597,7 @@
           <p:cNvPr id="4" name="内容占位符 3">
             <a:extLst>
               <a:ext uri="{FF2B5EF4-FFF2-40B4-BE49-F238E27FC236}">
-                <a16:creationId xmlns:a16="http://schemas.microsoft.com/office/drawing/2014/main" id="{0B927512-C6BD-568C-D4AC-C568EC11F859}"/>
+                <a16:creationId xmlns:a16="http://schemas.microsoft.com/office/drawing/2014/main" id="{B3F0B64B-5126-CA55-C5C2-EC89C96EA032}"/>
               </a:ext>
             </a:extLst>
           </p:cNvPr>
@@ -1659,7 +1659,7 @@
           <p:cNvPr id="5" name="文本占位符 4">
             <a:extLst>
               <a:ext uri="{FF2B5EF4-FFF2-40B4-BE49-F238E27FC236}">
-                <a16:creationId xmlns:a16="http://schemas.microsoft.com/office/drawing/2014/main" id="{8F7B4447-5E22-D66B-4B2E-052713383F1D}"/>
+                <a16:creationId xmlns:a16="http://schemas.microsoft.com/office/drawing/2014/main" id="{97C2854B-1064-C25C-D7C9-439D968292D6}"/>
               </a:ext>
             </a:extLst>
           </p:cNvPr>
@@ -1730,7 +1730,7 @@
           <p:cNvPr id="6" name="内容占位符 5">
             <a:extLst>
               <a:ext uri="{FF2B5EF4-FFF2-40B4-BE49-F238E27FC236}">
-                <a16:creationId xmlns:a16="http://schemas.microsoft.com/office/drawing/2014/main" id="{A594C08D-A8DC-E63E-FD65-EB27081CFD20}"/>
+                <a16:creationId xmlns:a16="http://schemas.microsoft.com/office/drawing/2014/main" id="{743E7921-4982-945F-2D26-A728945BD9E3}"/>
               </a:ext>
             </a:extLst>
           </p:cNvPr>
@@ -1792,7 +1792,7 @@
           <p:cNvPr id="7" name="日期占位符 6">
             <a:extLst>
               <a:ext uri="{FF2B5EF4-FFF2-40B4-BE49-F238E27FC236}">
-                <a16:creationId xmlns:a16="http://schemas.microsoft.com/office/drawing/2014/main" id="{8C41542D-4089-3112-E2E4-F0DBA0DE2982}"/>
+                <a16:creationId xmlns:a16="http://schemas.microsoft.com/office/drawing/2014/main" id="{7C38A62E-D8CE-2C74-B7E5-8F51B1BBAD10}"/>
               </a:ext>
             </a:extLst>
           </p:cNvPr>
@@ -1808,7 +1808,7 @@
           <a:bodyPr/>
           <a:lstStyle/>
           <a:p>
-            <a:fld id="{F73AB5F1-49D4-4135-B382-5648884662CA}" type="datetimeFigureOut">
+            <a:fld id="{2F38A768-81C6-4F5C-A60E-0EE99987A705}" type="datetimeFigureOut">
               <a:rPr lang="zh-CN" altLang="en-US" smtClean="0"/>
               <a:t>2024/3/10</a:t>
             </a:fld>
@@ -1821,7 +1821,7 @@
           <p:cNvPr id="8" name="页脚占位符 7">
             <a:extLst>
               <a:ext uri="{FF2B5EF4-FFF2-40B4-BE49-F238E27FC236}">
-                <a16:creationId xmlns:a16="http://schemas.microsoft.com/office/drawing/2014/main" id="{D4847B42-FFC5-3EB9-73B9-6A583C093387}"/>
+                <a16:creationId xmlns:a16="http://schemas.microsoft.com/office/drawing/2014/main" id="{C9603B0E-2B0B-BED0-0B6C-693384D6A009}"/>
               </a:ext>
             </a:extLst>
           </p:cNvPr>
@@ -1846,7 +1846,7 @@
           <p:cNvPr id="9" name="灯片编号占位符 8">
             <a:extLst>
               <a:ext uri="{FF2B5EF4-FFF2-40B4-BE49-F238E27FC236}">
-                <a16:creationId xmlns:a16="http://schemas.microsoft.com/office/drawing/2014/main" id="{89D62220-4C62-35FE-C59C-30AF36F6DB6D}"/>
+                <a16:creationId xmlns:a16="http://schemas.microsoft.com/office/drawing/2014/main" id="{0A174353-FE39-E069-846A-350D553142B8}"/>
               </a:ext>
             </a:extLst>
           </p:cNvPr>
@@ -1862,7 +1862,7 @@
           <a:bodyPr/>
           <a:lstStyle/>
           <a:p>
-            <a:fld id="{F8B70436-13BA-46C8-90AA-5A1BBB947A57}" type="slidenum">
+            <a:fld id="{522DAD68-E5B3-4729-96BB-86AA3BAAF46E}" type="slidenum">
               <a:rPr lang="zh-CN" altLang="en-US" smtClean="0"/>
               <a:t>‹#›</a:t>
             </a:fld>
@@ -1873,7 +1873,7 @@
     </p:spTree>
     <p:extLst>
       <p:ext uri="{BB962C8B-B14F-4D97-AF65-F5344CB8AC3E}">
-        <p14:creationId xmlns:p14="http://schemas.microsoft.com/office/powerpoint/2010/main" val="3831342730"/>
+        <p14:creationId xmlns:p14="http://schemas.microsoft.com/office/powerpoint/2010/main" val="1898448569"/>
       </p:ext>
     </p:extLst>
   </p:cSld>
@@ -1905,7 +1905,7 @@
           <p:cNvPr id="2" name="标题 1">
             <a:extLst>
               <a:ext uri="{FF2B5EF4-FFF2-40B4-BE49-F238E27FC236}">
-                <a16:creationId xmlns:a16="http://schemas.microsoft.com/office/drawing/2014/main" id="{3B52809D-6BFD-379B-73C8-D01045F8EA8F}"/>
+                <a16:creationId xmlns:a16="http://schemas.microsoft.com/office/drawing/2014/main" id="{60FF3902-3D47-C377-F847-B9355C4A459F}"/>
               </a:ext>
             </a:extLst>
           </p:cNvPr>
@@ -1933,7 +1933,7 @@
           <p:cNvPr id="3" name="日期占位符 2">
             <a:extLst>
               <a:ext uri="{FF2B5EF4-FFF2-40B4-BE49-F238E27FC236}">
-                <a16:creationId xmlns:a16="http://schemas.microsoft.com/office/drawing/2014/main" id="{CEDA8545-9DF1-CCD8-D001-03C9FA84EC91}"/>
+                <a16:creationId xmlns:a16="http://schemas.microsoft.com/office/drawing/2014/main" id="{7768AEE0-2106-3305-A19F-C61CAB9B0693}"/>
               </a:ext>
             </a:extLst>
           </p:cNvPr>
@@ -1949,7 +1949,7 @@
           <a:bodyPr/>
           <a:lstStyle/>
           <a:p>
-            <a:fld id="{F73AB5F1-49D4-4135-B382-5648884662CA}" type="datetimeFigureOut">
+            <a:fld id="{2F38A768-81C6-4F5C-A60E-0EE99987A705}" type="datetimeFigureOut">
               <a:rPr lang="zh-CN" altLang="en-US" smtClean="0"/>
               <a:t>2024/3/10</a:t>
             </a:fld>
@@ -1962,7 +1962,7 @@
           <p:cNvPr id="4" name="页脚占位符 3">
             <a:extLst>
               <a:ext uri="{FF2B5EF4-FFF2-40B4-BE49-F238E27FC236}">
-                <a16:creationId xmlns:a16="http://schemas.microsoft.com/office/drawing/2014/main" id="{D52A4347-DA11-C50D-8C04-0123DE163A62}"/>
+                <a16:creationId xmlns:a16="http://schemas.microsoft.com/office/drawing/2014/main" id="{5F10AF96-B375-4156-07FD-BF7B8F7B5644}"/>
               </a:ext>
             </a:extLst>
           </p:cNvPr>
@@ -1987,7 +1987,7 @@
           <p:cNvPr id="5" name="灯片编号占位符 4">
             <a:extLst>
               <a:ext uri="{FF2B5EF4-FFF2-40B4-BE49-F238E27FC236}">
-                <a16:creationId xmlns:a16="http://schemas.microsoft.com/office/drawing/2014/main" id="{A6B39F1D-775B-E55C-9E4D-0B2E3E4B99AD}"/>
+                <a16:creationId xmlns:a16="http://schemas.microsoft.com/office/drawing/2014/main" id="{6B069AF2-2410-3C7D-CF71-52EA1AE422FC}"/>
               </a:ext>
             </a:extLst>
           </p:cNvPr>
@@ -2003,7 +2003,7 @@
           <a:bodyPr/>
           <a:lstStyle/>
           <a:p>
-            <a:fld id="{F8B70436-13BA-46C8-90AA-5A1BBB947A57}" type="slidenum">
+            <a:fld id="{522DAD68-E5B3-4729-96BB-86AA3BAAF46E}" type="slidenum">
               <a:rPr lang="zh-CN" altLang="en-US" smtClean="0"/>
               <a:t>‹#›</a:t>
             </a:fld>
@@ -2014,7 +2014,7 @@
     </p:spTree>
     <p:extLst>
       <p:ext uri="{BB962C8B-B14F-4D97-AF65-F5344CB8AC3E}">
-        <p14:creationId xmlns:p14="http://schemas.microsoft.com/office/powerpoint/2010/main" val="3553563074"/>
+        <p14:creationId xmlns:p14="http://schemas.microsoft.com/office/powerpoint/2010/main" val="2703372050"/>
       </p:ext>
     </p:extLst>
   </p:cSld>
@@ -2046,7 +2046,7 @@
           <p:cNvPr id="2" name="日期占位符 1">
             <a:extLst>
               <a:ext uri="{FF2B5EF4-FFF2-40B4-BE49-F238E27FC236}">
-                <a16:creationId xmlns:a16="http://schemas.microsoft.com/office/drawing/2014/main" id="{AB512A06-9A08-4428-757C-018D7EEEE289}"/>
+                <a16:creationId xmlns:a16="http://schemas.microsoft.com/office/drawing/2014/main" id="{E8919ABB-7476-AB0F-39EC-37D60051829A}"/>
               </a:ext>
             </a:extLst>
           </p:cNvPr>
@@ -2062,7 +2062,7 @@
           <a:bodyPr/>
           <a:lstStyle/>
           <a:p>
-            <a:fld id="{F73AB5F1-49D4-4135-B382-5648884662CA}" type="datetimeFigureOut">
+            <a:fld id="{2F38A768-81C6-4F5C-A60E-0EE99987A705}" type="datetimeFigureOut">
               <a:rPr lang="zh-CN" altLang="en-US" smtClean="0"/>
               <a:t>2024/3/10</a:t>
             </a:fld>
@@ -2075,7 +2075,7 @@
           <p:cNvPr id="3" name="页脚占位符 2">
             <a:extLst>
               <a:ext uri="{FF2B5EF4-FFF2-40B4-BE49-F238E27FC236}">
-                <a16:creationId xmlns:a16="http://schemas.microsoft.com/office/drawing/2014/main" id="{BDF74FBC-8183-543A-A0D8-FADE2FD211E5}"/>
+                <a16:creationId xmlns:a16="http://schemas.microsoft.com/office/drawing/2014/main" id="{279CF70B-13B6-2BAD-C794-38B4BF54EE9A}"/>
               </a:ext>
             </a:extLst>
           </p:cNvPr>
@@ -2100,7 +2100,7 @@
           <p:cNvPr id="4" name="灯片编号占位符 3">
             <a:extLst>
               <a:ext uri="{FF2B5EF4-FFF2-40B4-BE49-F238E27FC236}">
-                <a16:creationId xmlns:a16="http://schemas.microsoft.com/office/drawing/2014/main" id="{3A0ECDC8-08A3-C9EB-C788-459AC32816A6}"/>
+                <a16:creationId xmlns:a16="http://schemas.microsoft.com/office/drawing/2014/main" id="{87ADCCF2-C7F6-8DB7-4DB3-64363F045812}"/>
               </a:ext>
             </a:extLst>
           </p:cNvPr>
@@ -2116,7 +2116,7 @@
           <a:bodyPr/>
           <a:lstStyle/>
           <a:p>
-            <a:fld id="{F8B70436-13BA-46C8-90AA-5A1BBB947A57}" type="slidenum">
+            <a:fld id="{522DAD68-E5B3-4729-96BB-86AA3BAAF46E}" type="slidenum">
               <a:rPr lang="zh-CN" altLang="en-US" smtClean="0"/>
               <a:t>‹#›</a:t>
             </a:fld>
@@ -2127,7 +2127,7 @@
     </p:spTree>
     <p:extLst>
       <p:ext uri="{BB962C8B-B14F-4D97-AF65-F5344CB8AC3E}">
-        <p14:creationId xmlns:p14="http://schemas.microsoft.com/office/powerpoint/2010/main" val="436139771"/>
+        <p14:creationId xmlns:p14="http://schemas.microsoft.com/office/powerpoint/2010/main" val="2238005399"/>
       </p:ext>
     </p:extLst>
   </p:cSld>
@@ -2159,7 +2159,7 @@
           <p:cNvPr id="2" name="标题 1">
             <a:extLst>
               <a:ext uri="{FF2B5EF4-FFF2-40B4-BE49-F238E27FC236}">
-                <a16:creationId xmlns:a16="http://schemas.microsoft.com/office/drawing/2014/main" id="{8AF7DFEB-AF04-C68D-E598-6AC78B2BBD58}"/>
+                <a16:creationId xmlns:a16="http://schemas.microsoft.com/office/drawing/2014/main" id="{910565FD-4CB3-B0A4-5E59-591702ECD9E1}"/>
               </a:ext>
             </a:extLst>
           </p:cNvPr>
@@ -2196,7 +2196,7 @@
           <p:cNvPr id="3" name="内容占位符 2">
             <a:extLst>
               <a:ext uri="{FF2B5EF4-FFF2-40B4-BE49-F238E27FC236}">
-                <a16:creationId xmlns:a16="http://schemas.microsoft.com/office/drawing/2014/main" id="{E7534FCE-B01A-36FD-1CFA-468B2DDE2680}"/>
+                <a16:creationId xmlns:a16="http://schemas.microsoft.com/office/drawing/2014/main" id="{509C20A5-AD92-FF51-F7B8-455B7BBFD3C4}"/>
               </a:ext>
             </a:extLst>
           </p:cNvPr>
@@ -2286,7 +2286,7 @@
           <p:cNvPr id="4" name="文本占位符 3">
             <a:extLst>
               <a:ext uri="{FF2B5EF4-FFF2-40B4-BE49-F238E27FC236}">
-                <a16:creationId xmlns:a16="http://schemas.microsoft.com/office/drawing/2014/main" id="{FBEFBE21-1B8D-9E8A-678F-C7C4E8123528}"/>
+                <a16:creationId xmlns:a16="http://schemas.microsoft.com/office/drawing/2014/main" id="{5F0E8760-EEBA-F1C7-E1AF-B506EBCB8F94}"/>
               </a:ext>
             </a:extLst>
           </p:cNvPr>
@@ -2357,7 +2357,7 @@
           <p:cNvPr id="5" name="日期占位符 4">
             <a:extLst>
               <a:ext uri="{FF2B5EF4-FFF2-40B4-BE49-F238E27FC236}">
-                <a16:creationId xmlns:a16="http://schemas.microsoft.com/office/drawing/2014/main" id="{BC7A0131-0E62-62F8-EBA3-51AA0E775623}"/>
+                <a16:creationId xmlns:a16="http://schemas.microsoft.com/office/drawing/2014/main" id="{E097BD3F-BF96-FD65-CC46-DF8B60FDF61B}"/>
               </a:ext>
             </a:extLst>
           </p:cNvPr>
@@ -2373,7 +2373,7 @@
           <a:bodyPr/>
           <a:lstStyle/>
           <a:p>
-            <a:fld id="{F73AB5F1-49D4-4135-B382-5648884662CA}" type="datetimeFigureOut">
+            <a:fld id="{2F38A768-81C6-4F5C-A60E-0EE99987A705}" type="datetimeFigureOut">
               <a:rPr lang="zh-CN" altLang="en-US" smtClean="0"/>
               <a:t>2024/3/10</a:t>
             </a:fld>
@@ -2386,7 +2386,7 @@
           <p:cNvPr id="6" name="页脚占位符 5">
             <a:extLst>
               <a:ext uri="{FF2B5EF4-FFF2-40B4-BE49-F238E27FC236}">
-                <a16:creationId xmlns:a16="http://schemas.microsoft.com/office/drawing/2014/main" id="{CAC88409-7E7A-5A1D-8E6A-CBAB52DC2573}"/>
+                <a16:creationId xmlns:a16="http://schemas.microsoft.com/office/drawing/2014/main" id="{43B2D3FA-D010-18AA-1599-FF9FC31A44E5}"/>
               </a:ext>
             </a:extLst>
           </p:cNvPr>
@@ -2411,7 +2411,7 @@
           <p:cNvPr id="7" name="灯片编号占位符 6">
             <a:extLst>
               <a:ext uri="{FF2B5EF4-FFF2-40B4-BE49-F238E27FC236}">
-                <a16:creationId xmlns:a16="http://schemas.microsoft.com/office/drawing/2014/main" id="{63CE3BE3-4314-185F-AA6F-B483A75D1FF8}"/>
+                <a16:creationId xmlns:a16="http://schemas.microsoft.com/office/drawing/2014/main" id="{B54971EE-9CBD-DE37-9876-8A499247507C}"/>
               </a:ext>
             </a:extLst>
           </p:cNvPr>
@@ -2427,7 +2427,7 @@
           <a:bodyPr/>
           <a:lstStyle/>
           <a:p>
-            <a:fld id="{F8B70436-13BA-46C8-90AA-5A1BBB947A57}" type="slidenum">
+            <a:fld id="{522DAD68-E5B3-4729-96BB-86AA3BAAF46E}" type="slidenum">
               <a:rPr lang="zh-CN" altLang="en-US" smtClean="0"/>
               <a:t>‹#›</a:t>
             </a:fld>
@@ -2438,7 +2438,7 @@
     </p:spTree>
     <p:extLst>
       <p:ext uri="{BB962C8B-B14F-4D97-AF65-F5344CB8AC3E}">
-        <p14:creationId xmlns:p14="http://schemas.microsoft.com/office/powerpoint/2010/main" val="3366349572"/>
+        <p14:creationId xmlns:p14="http://schemas.microsoft.com/office/powerpoint/2010/main" val="959544399"/>
       </p:ext>
     </p:extLst>
   </p:cSld>
@@ -2470,7 +2470,7 @@
           <p:cNvPr id="2" name="标题 1">
             <a:extLst>
               <a:ext uri="{FF2B5EF4-FFF2-40B4-BE49-F238E27FC236}">
-                <a16:creationId xmlns:a16="http://schemas.microsoft.com/office/drawing/2014/main" id="{E27D3256-8F1A-D04D-9C47-C398E76E7757}"/>
+                <a16:creationId xmlns:a16="http://schemas.microsoft.com/office/drawing/2014/main" id="{75AE964B-8BAD-678F-DB9E-F44819FC7622}"/>
               </a:ext>
             </a:extLst>
           </p:cNvPr>
@@ -2507,7 +2507,7 @@
           <p:cNvPr id="3" name="图片占位符 2">
             <a:extLst>
               <a:ext uri="{FF2B5EF4-FFF2-40B4-BE49-F238E27FC236}">
-                <a16:creationId xmlns:a16="http://schemas.microsoft.com/office/drawing/2014/main" id="{6C629555-DB5A-2A0D-645A-77D53F436526}"/>
+                <a16:creationId xmlns:a16="http://schemas.microsoft.com/office/drawing/2014/main" id="{3351ADCD-DCBC-4ECE-9B0C-8A61DAB51B24}"/>
               </a:ext>
             </a:extLst>
           </p:cNvPr>
@@ -2574,7 +2574,7 @@
           <p:cNvPr id="4" name="文本占位符 3">
             <a:extLst>
               <a:ext uri="{FF2B5EF4-FFF2-40B4-BE49-F238E27FC236}">
-                <a16:creationId xmlns:a16="http://schemas.microsoft.com/office/drawing/2014/main" id="{83F9F5DC-AD17-8044-DEFE-250A5219DE1E}"/>
+                <a16:creationId xmlns:a16="http://schemas.microsoft.com/office/drawing/2014/main" id="{62DB39E4-2076-00F3-17BC-7665CF3A769F}"/>
               </a:ext>
             </a:extLst>
           </p:cNvPr>
@@ -2645,7 +2645,7 @@
           <p:cNvPr id="5" name="日期占位符 4">
             <a:extLst>
               <a:ext uri="{FF2B5EF4-FFF2-40B4-BE49-F238E27FC236}">
-                <a16:creationId xmlns:a16="http://schemas.microsoft.com/office/drawing/2014/main" id="{9F67F875-2AA4-1C2F-DC5C-5DD8910F322E}"/>
+                <a16:creationId xmlns:a16="http://schemas.microsoft.com/office/drawing/2014/main" id="{85D28C8D-265F-DB4A-51D2-CD9AAF225E00}"/>
               </a:ext>
             </a:extLst>
           </p:cNvPr>
@@ -2661,7 +2661,7 @@
           <a:bodyPr/>
           <a:lstStyle/>
           <a:p>
-            <a:fld id="{F73AB5F1-49D4-4135-B382-5648884662CA}" type="datetimeFigureOut">
+            <a:fld id="{2F38A768-81C6-4F5C-A60E-0EE99987A705}" type="datetimeFigureOut">
               <a:rPr lang="zh-CN" altLang="en-US" smtClean="0"/>
               <a:t>2024/3/10</a:t>
             </a:fld>
@@ -2674,7 +2674,7 @@
           <p:cNvPr id="6" name="页脚占位符 5">
             <a:extLst>
               <a:ext uri="{FF2B5EF4-FFF2-40B4-BE49-F238E27FC236}">
-                <a16:creationId xmlns:a16="http://schemas.microsoft.com/office/drawing/2014/main" id="{328E59CE-18DC-CCFF-2AAE-B1ABD091CD2A}"/>
+                <a16:creationId xmlns:a16="http://schemas.microsoft.com/office/drawing/2014/main" id="{8A9EFD6D-5122-2B37-74FA-4D5DBF42F4F1}"/>
               </a:ext>
             </a:extLst>
           </p:cNvPr>
@@ -2699,7 +2699,7 @@
           <p:cNvPr id="7" name="灯片编号占位符 6">
             <a:extLst>
               <a:ext uri="{FF2B5EF4-FFF2-40B4-BE49-F238E27FC236}">
-                <a16:creationId xmlns:a16="http://schemas.microsoft.com/office/drawing/2014/main" id="{F4724E3A-FED7-9987-EB0B-BF5D1CC2E01F}"/>
+                <a16:creationId xmlns:a16="http://schemas.microsoft.com/office/drawing/2014/main" id="{5E1A0E86-2620-9E4F-A9B9-BA0372AC1376}"/>
               </a:ext>
             </a:extLst>
           </p:cNvPr>
@@ -2715,7 +2715,7 @@
           <a:bodyPr/>
           <a:lstStyle/>
           <a:p>
-            <a:fld id="{F8B70436-13BA-46C8-90AA-5A1BBB947A57}" type="slidenum">
+            <a:fld id="{522DAD68-E5B3-4729-96BB-86AA3BAAF46E}" type="slidenum">
               <a:rPr lang="zh-CN" altLang="en-US" smtClean="0"/>
               <a:t>‹#›</a:t>
             </a:fld>
@@ -2726,7 +2726,7 @@
     </p:spTree>
     <p:extLst>
       <p:ext uri="{BB962C8B-B14F-4D97-AF65-F5344CB8AC3E}">
-        <p14:creationId xmlns:p14="http://schemas.microsoft.com/office/powerpoint/2010/main" val="2487285321"/>
+        <p14:creationId xmlns:p14="http://schemas.microsoft.com/office/powerpoint/2010/main" val="1456583426"/>
       </p:ext>
     </p:extLst>
   </p:cSld>
@@ -2763,7 +2763,7 @@
           <p:cNvPr id="2" name="标题占位符 1">
             <a:extLst>
               <a:ext uri="{FF2B5EF4-FFF2-40B4-BE49-F238E27FC236}">
-                <a16:creationId xmlns:a16="http://schemas.microsoft.com/office/drawing/2014/main" id="{41AF6186-0D85-E4EF-B285-590A112719A8}"/>
+                <a16:creationId xmlns:a16="http://schemas.microsoft.com/office/drawing/2014/main" id="{D31D3D25-FF2B-2A7B-2E8A-C0D661DDF86B}"/>
               </a:ext>
             </a:extLst>
           </p:cNvPr>
@@ -2801,7 +2801,7 @@
           <p:cNvPr id="3" name="文本占位符 2">
             <a:extLst>
               <a:ext uri="{FF2B5EF4-FFF2-40B4-BE49-F238E27FC236}">
-                <a16:creationId xmlns:a16="http://schemas.microsoft.com/office/drawing/2014/main" id="{318E2831-F9CC-0A1D-2C61-E0564E565874}"/>
+                <a16:creationId xmlns:a16="http://schemas.microsoft.com/office/drawing/2014/main" id="{2DDA3B92-FB27-BD28-156C-FFB9DBD196CB}"/>
               </a:ext>
             </a:extLst>
           </p:cNvPr>
@@ -2868,7 +2868,7 @@
           <p:cNvPr id="4" name="日期占位符 3">
             <a:extLst>
               <a:ext uri="{FF2B5EF4-FFF2-40B4-BE49-F238E27FC236}">
-                <a16:creationId xmlns:a16="http://schemas.microsoft.com/office/drawing/2014/main" id="{E0A101BC-D243-7158-E52C-805D6949725E}"/>
+                <a16:creationId xmlns:a16="http://schemas.microsoft.com/office/drawing/2014/main" id="{025428E8-0928-F50D-9B1C-9C80F097A3F8}"/>
               </a:ext>
             </a:extLst>
           </p:cNvPr>
@@ -2902,7 +2902,7 @@
             </a:lvl1pPr>
           </a:lstStyle>
           <a:p>
-            <a:fld id="{F73AB5F1-49D4-4135-B382-5648884662CA}" type="datetimeFigureOut">
+            <a:fld id="{2F38A768-81C6-4F5C-A60E-0EE99987A705}" type="datetimeFigureOut">
               <a:rPr lang="zh-CN" altLang="en-US" smtClean="0"/>
               <a:t>2024/3/10</a:t>
             </a:fld>
@@ -2915,7 +2915,7 @@
           <p:cNvPr id="5" name="页脚占位符 4">
             <a:extLst>
               <a:ext uri="{FF2B5EF4-FFF2-40B4-BE49-F238E27FC236}">
-                <a16:creationId xmlns:a16="http://schemas.microsoft.com/office/drawing/2014/main" id="{68CAB2DA-FCC4-9886-C6D5-C10A01777AD0}"/>
+                <a16:creationId xmlns:a16="http://schemas.microsoft.com/office/drawing/2014/main" id="{F1C0DB65-84AC-2612-C587-EB93AF01E38B}"/>
               </a:ext>
             </a:extLst>
           </p:cNvPr>
@@ -2958,7 +2958,7 @@
           <p:cNvPr id="6" name="灯片编号占位符 5">
             <a:extLst>
               <a:ext uri="{FF2B5EF4-FFF2-40B4-BE49-F238E27FC236}">
-                <a16:creationId xmlns:a16="http://schemas.microsoft.com/office/drawing/2014/main" id="{13475ED8-796A-EECC-A6D8-AEC0A3ED9D32}"/>
+                <a16:creationId xmlns:a16="http://schemas.microsoft.com/office/drawing/2014/main" id="{8A7983AB-8CCE-FDC5-6641-77E107CE2A45}"/>
               </a:ext>
             </a:extLst>
           </p:cNvPr>
@@ -2992,7 +2992,7 @@
             </a:lvl1pPr>
           </a:lstStyle>
           <a:p>
-            <a:fld id="{F8B70436-13BA-46C8-90AA-5A1BBB947A57}" type="slidenum">
+            <a:fld id="{522DAD68-E5B3-4729-96BB-86AA3BAAF46E}" type="slidenum">
               <a:rPr lang="zh-CN" altLang="en-US" smtClean="0"/>
               <a:t>‹#›</a:t>
             </a:fld>
@@ -3003,7 +3003,7 @@
     </p:spTree>
     <p:extLst>
       <p:ext uri="{BB962C8B-B14F-4D97-AF65-F5344CB8AC3E}">
-        <p14:creationId xmlns:p14="http://schemas.microsoft.com/office/powerpoint/2010/main" val="1514517441"/>
+        <p14:creationId xmlns:p14="http://schemas.microsoft.com/office/powerpoint/2010/main" val="67183446"/>
       </p:ext>
     </p:extLst>
   </p:cSld>
